--- a/최종발표자료.pptx
+++ b/최종발표자료.pptx
@@ -5,7 +5,7 @@
     <p:sldMasterId id="2147483648" r:id="rId1"/>
   </p:sldMasterIdLst>
   <p:notesMasterIdLst>
-    <p:notesMasterId r:id="rId7"/>
+    <p:notesMasterId r:id="rId9"/>
   </p:notesMasterIdLst>
   <p:sldIdLst>
     <p:sldId id="256" r:id="rId2"/>
@@ -13,6 +13,8 @@
     <p:sldId id="271" r:id="rId4"/>
     <p:sldId id="269" r:id="rId5"/>
     <p:sldId id="272" r:id="rId6"/>
+    <p:sldId id="273" r:id="rId7"/>
+    <p:sldId id="274" r:id="rId8"/>
   </p:sldIdLst>
   <p:sldSz cx="12192000" cy="6858000"/>
   <p:notesSz cx="6858000" cy="9144000"/>
@@ -10142,6 +10144,1365 @@
     <p:extLst>
       <p:ext uri="{BB962C8B-B14F-4D97-AF65-F5344CB8AC3E}">
         <p14:creationId xmlns:p14="http://schemas.microsoft.com/office/powerpoint/2010/main" val="1905952626"/>
+      </p:ext>
+    </p:extLst>
+  </p:cSld>
+  <p:clrMapOvr>
+    <a:masterClrMapping/>
+  </p:clrMapOvr>
+</p:sld>
+</file>
+
+<file path=ppt/slides/slide6.xml><?xml version="1.0" encoding="utf-8"?>
+<p:sld xmlns:a="http://schemas.openxmlformats.org/drawingml/2006/main" xmlns:r="http://schemas.openxmlformats.org/officeDocument/2006/relationships" xmlns:p="http://schemas.openxmlformats.org/presentationml/2006/main">
+  <p:cSld>
+    <p:spTree>
+      <p:nvGrpSpPr>
+        <p:cNvPr id="1" name=""/>
+        <p:cNvGrpSpPr/>
+        <p:nvPr/>
+      </p:nvGrpSpPr>
+      <p:grpSpPr>
+        <a:xfrm>
+          <a:off x="0" y="0"/>
+          <a:ext cx="0" cy="0"/>
+          <a:chOff x="0" y="0"/>
+          <a:chExt cx="0" cy="0"/>
+        </a:xfrm>
+      </p:grpSpPr>
+      <p:sp>
+        <p:nvSpPr>
+          <p:cNvPr id="4" name="직사각형 3"/>
+          <p:cNvSpPr/>
+          <p:nvPr/>
+        </p:nvSpPr>
+        <p:spPr>
+          <a:xfrm>
+            <a:off x="0" y="-27710"/>
+            <a:ext cx="12192000" cy="6858000"/>
+          </a:xfrm>
+          <a:prstGeom prst="rect">
+            <a:avLst/>
+          </a:prstGeom>
+          <a:gradFill>
+            <a:gsLst>
+              <a:gs pos="13000">
+                <a:srgbClr val="33797F"/>
+              </a:gs>
+              <a:gs pos="83000">
+                <a:srgbClr val="EBB587"/>
+              </a:gs>
+            </a:gsLst>
+            <a:lin ang="5400000" scaled="1"/>
+          </a:gradFill>
+          <a:ln>
+            <a:noFill/>
+          </a:ln>
+        </p:spPr>
+        <p:style>
+          <a:lnRef idx="2">
+            <a:schemeClr val="accent1">
+              <a:shade val="50000"/>
+            </a:schemeClr>
+          </a:lnRef>
+          <a:fillRef idx="1">
+            <a:schemeClr val="accent1"/>
+          </a:fillRef>
+          <a:effectRef idx="0">
+            <a:schemeClr val="accent1"/>
+          </a:effectRef>
+          <a:fontRef idx="minor">
+            <a:schemeClr val="lt1"/>
+          </a:fontRef>
+        </p:style>
+        <p:txBody>
+          <a:bodyPr rtlCol="0" anchor="ctr"/>
+          <a:lstStyle/>
+          <a:p>
+            <a:pPr algn="ctr"/>
+            <a:endParaRPr lang="ko-KR" altLang="en-US"/>
+          </a:p>
+        </p:txBody>
+      </p:sp>
+      <p:sp>
+        <p:nvSpPr>
+          <p:cNvPr id="12" name="이등변 삼각형 11"/>
+          <p:cNvSpPr/>
+          <p:nvPr/>
+        </p:nvSpPr>
+        <p:spPr>
+          <a:xfrm>
+            <a:off x="7810501" y="2318368"/>
+            <a:ext cx="8391414" cy="4539631"/>
+          </a:xfrm>
+          <a:prstGeom prst="triangle">
+            <a:avLst/>
+          </a:prstGeom>
+          <a:gradFill>
+            <a:gsLst>
+              <a:gs pos="14000">
+                <a:srgbClr val="3C7E7C"/>
+              </a:gs>
+              <a:gs pos="100000">
+                <a:srgbClr val="00323B"/>
+              </a:gs>
+            </a:gsLst>
+            <a:lin ang="5400000" scaled="1"/>
+          </a:gradFill>
+          <a:ln>
+            <a:noFill/>
+          </a:ln>
+        </p:spPr>
+        <p:style>
+          <a:lnRef idx="2">
+            <a:schemeClr val="accent1">
+              <a:shade val="50000"/>
+            </a:schemeClr>
+          </a:lnRef>
+          <a:fillRef idx="1">
+            <a:schemeClr val="accent1"/>
+          </a:fillRef>
+          <a:effectRef idx="0">
+            <a:schemeClr val="accent1"/>
+          </a:effectRef>
+          <a:fontRef idx="minor">
+            <a:schemeClr val="lt1"/>
+          </a:fontRef>
+        </p:style>
+        <p:txBody>
+          <a:bodyPr rtlCol="0" anchor="ctr"/>
+          <a:lstStyle/>
+          <a:p>
+            <a:pPr algn="ctr"/>
+            <a:endParaRPr lang="ko-KR" altLang="en-US"/>
+          </a:p>
+        </p:txBody>
+      </p:sp>
+      <p:sp>
+        <p:nvSpPr>
+          <p:cNvPr id="15" name="이등변 삼각형 14"/>
+          <p:cNvSpPr/>
+          <p:nvPr/>
+        </p:nvSpPr>
+        <p:spPr>
+          <a:xfrm>
+            <a:off x="3609472" y="4281714"/>
+            <a:ext cx="4444378" cy="2576286"/>
+          </a:xfrm>
+          <a:prstGeom prst="triangle">
+            <a:avLst/>
+          </a:prstGeom>
+          <a:gradFill>
+            <a:gsLst>
+              <a:gs pos="49000">
+                <a:srgbClr val="C9A685"/>
+              </a:gs>
+              <a:gs pos="100000">
+                <a:srgbClr val="ECA97E">
+                  <a:alpha val="90000"/>
+                </a:srgbClr>
+              </a:gs>
+            </a:gsLst>
+            <a:lin ang="5400000" scaled="1"/>
+          </a:gradFill>
+          <a:ln>
+            <a:noFill/>
+          </a:ln>
+        </p:spPr>
+        <p:style>
+          <a:lnRef idx="2">
+            <a:schemeClr val="accent1">
+              <a:shade val="50000"/>
+            </a:schemeClr>
+          </a:lnRef>
+          <a:fillRef idx="1">
+            <a:schemeClr val="accent1"/>
+          </a:fillRef>
+          <a:effectRef idx="0">
+            <a:schemeClr val="accent1"/>
+          </a:effectRef>
+          <a:fontRef idx="minor">
+            <a:schemeClr val="lt1"/>
+          </a:fontRef>
+        </p:style>
+        <p:txBody>
+          <a:bodyPr rtlCol="0" anchor="ctr"/>
+          <a:lstStyle/>
+          <a:p>
+            <a:pPr algn="ctr"/>
+            <a:endParaRPr lang="ko-KR" altLang="en-US"/>
+          </a:p>
+        </p:txBody>
+      </p:sp>
+      <p:sp>
+        <p:nvSpPr>
+          <p:cNvPr id="16" name="이등변 삼각형 15"/>
+          <p:cNvSpPr/>
+          <p:nvPr/>
+        </p:nvSpPr>
+        <p:spPr>
+          <a:xfrm>
+            <a:off x="5293129" y="4049487"/>
+            <a:ext cx="5020178" cy="2808514"/>
+          </a:xfrm>
+          <a:prstGeom prst="triangle">
+            <a:avLst/>
+          </a:prstGeom>
+          <a:gradFill>
+            <a:gsLst>
+              <a:gs pos="49000">
+                <a:srgbClr val="C9A685"/>
+              </a:gs>
+              <a:gs pos="100000">
+                <a:srgbClr val="ECA97E">
+                  <a:alpha val="90000"/>
+                </a:srgbClr>
+              </a:gs>
+            </a:gsLst>
+            <a:lin ang="5400000" scaled="1"/>
+          </a:gradFill>
+          <a:ln>
+            <a:noFill/>
+          </a:ln>
+        </p:spPr>
+        <p:style>
+          <a:lnRef idx="2">
+            <a:schemeClr val="accent1">
+              <a:shade val="50000"/>
+            </a:schemeClr>
+          </a:lnRef>
+          <a:fillRef idx="1">
+            <a:schemeClr val="accent1"/>
+          </a:fillRef>
+          <a:effectRef idx="0">
+            <a:schemeClr val="accent1"/>
+          </a:effectRef>
+          <a:fontRef idx="minor">
+            <a:schemeClr val="lt1"/>
+          </a:fontRef>
+        </p:style>
+        <p:txBody>
+          <a:bodyPr rtlCol="0" anchor="ctr"/>
+          <a:lstStyle/>
+          <a:p>
+            <a:pPr algn="ctr"/>
+            <a:endParaRPr lang="ko-KR" altLang="en-US"/>
+          </a:p>
+        </p:txBody>
+      </p:sp>
+      <p:sp>
+        <p:nvSpPr>
+          <p:cNvPr id="17" name="이등변 삼각형 16"/>
+          <p:cNvSpPr/>
+          <p:nvPr/>
+        </p:nvSpPr>
+        <p:spPr>
+          <a:xfrm>
+            <a:off x="2363661" y="5078946"/>
+            <a:ext cx="4018090" cy="1779054"/>
+          </a:xfrm>
+          <a:prstGeom prst="triangle">
+            <a:avLst/>
+          </a:prstGeom>
+          <a:gradFill>
+            <a:gsLst>
+              <a:gs pos="49000">
+                <a:srgbClr val="C9A685"/>
+              </a:gs>
+              <a:gs pos="100000">
+                <a:srgbClr val="ECA97E">
+                  <a:alpha val="90000"/>
+                </a:srgbClr>
+              </a:gs>
+            </a:gsLst>
+            <a:lin ang="5400000" scaled="1"/>
+          </a:gradFill>
+          <a:ln>
+            <a:noFill/>
+          </a:ln>
+        </p:spPr>
+        <p:style>
+          <a:lnRef idx="2">
+            <a:schemeClr val="accent1">
+              <a:shade val="50000"/>
+            </a:schemeClr>
+          </a:lnRef>
+          <a:fillRef idx="1">
+            <a:schemeClr val="accent1"/>
+          </a:fillRef>
+          <a:effectRef idx="0">
+            <a:schemeClr val="accent1"/>
+          </a:effectRef>
+          <a:fontRef idx="minor">
+            <a:schemeClr val="lt1"/>
+          </a:fontRef>
+        </p:style>
+        <p:txBody>
+          <a:bodyPr rtlCol="0" anchor="ctr"/>
+          <a:lstStyle/>
+          <a:p>
+            <a:pPr algn="ctr"/>
+            <a:endParaRPr lang="ko-KR" altLang="en-US"/>
+          </a:p>
+        </p:txBody>
+      </p:sp>
+      <p:sp>
+        <p:nvSpPr>
+          <p:cNvPr id="10" name="이등변 삼각형 9"/>
+          <p:cNvSpPr/>
+          <p:nvPr/>
+        </p:nvSpPr>
+        <p:spPr>
+          <a:xfrm>
+            <a:off x="4884366" y="5399314"/>
+            <a:ext cx="2872066" cy="1458686"/>
+          </a:xfrm>
+          <a:prstGeom prst="triangle">
+            <a:avLst/>
+          </a:prstGeom>
+          <a:gradFill>
+            <a:gsLst>
+              <a:gs pos="14000">
+                <a:srgbClr val="9B9577"/>
+              </a:gs>
+              <a:gs pos="100000">
+                <a:srgbClr val="507166"/>
+              </a:gs>
+            </a:gsLst>
+            <a:lin ang="5400000" scaled="1"/>
+          </a:gradFill>
+          <a:ln>
+            <a:noFill/>
+          </a:ln>
+        </p:spPr>
+        <p:style>
+          <a:lnRef idx="2">
+            <a:schemeClr val="accent1">
+              <a:shade val="50000"/>
+            </a:schemeClr>
+          </a:lnRef>
+          <a:fillRef idx="1">
+            <a:schemeClr val="accent1"/>
+          </a:fillRef>
+          <a:effectRef idx="0">
+            <a:schemeClr val="accent1"/>
+          </a:effectRef>
+          <a:fontRef idx="minor">
+            <a:schemeClr val="lt1"/>
+          </a:fontRef>
+        </p:style>
+        <p:txBody>
+          <a:bodyPr rtlCol="0" anchor="ctr"/>
+          <a:lstStyle/>
+          <a:p>
+            <a:pPr algn="ctr"/>
+            <a:endParaRPr lang="ko-KR" altLang="en-US"/>
+          </a:p>
+        </p:txBody>
+      </p:sp>
+      <p:sp>
+        <p:nvSpPr>
+          <p:cNvPr id="11" name="이등변 삼각형 10"/>
+          <p:cNvSpPr/>
+          <p:nvPr/>
+        </p:nvSpPr>
+        <p:spPr>
+          <a:xfrm>
+            <a:off x="5695404" y="4136571"/>
+            <a:ext cx="5457371" cy="2721430"/>
+          </a:xfrm>
+          <a:prstGeom prst="triangle">
+            <a:avLst/>
+          </a:prstGeom>
+          <a:gradFill>
+            <a:gsLst>
+              <a:gs pos="14000">
+                <a:srgbClr val="96947F"/>
+              </a:gs>
+              <a:gs pos="100000">
+                <a:srgbClr val="4C635B"/>
+              </a:gs>
+            </a:gsLst>
+            <a:lin ang="5400000" scaled="1"/>
+          </a:gradFill>
+          <a:ln>
+            <a:noFill/>
+          </a:ln>
+        </p:spPr>
+        <p:style>
+          <a:lnRef idx="2">
+            <a:schemeClr val="accent1">
+              <a:shade val="50000"/>
+            </a:schemeClr>
+          </a:lnRef>
+          <a:fillRef idx="1">
+            <a:schemeClr val="accent1"/>
+          </a:fillRef>
+          <a:effectRef idx="0">
+            <a:schemeClr val="accent1"/>
+          </a:effectRef>
+          <a:fontRef idx="minor">
+            <a:schemeClr val="lt1"/>
+          </a:fontRef>
+        </p:style>
+        <p:txBody>
+          <a:bodyPr rtlCol="0" anchor="ctr"/>
+          <a:lstStyle/>
+          <a:p>
+            <a:pPr algn="ctr"/>
+            <a:endParaRPr lang="ko-KR" altLang="en-US"/>
+          </a:p>
+        </p:txBody>
+      </p:sp>
+      <p:sp>
+        <p:nvSpPr>
+          <p:cNvPr id="13" name="이등변 삼각형 12"/>
+          <p:cNvSpPr/>
+          <p:nvPr/>
+        </p:nvSpPr>
+        <p:spPr>
+          <a:xfrm>
+            <a:off x="7367503" y="3265715"/>
+            <a:ext cx="6791493" cy="3592286"/>
+          </a:xfrm>
+          <a:prstGeom prst="triangle">
+            <a:avLst/>
+          </a:prstGeom>
+          <a:gradFill>
+            <a:gsLst>
+              <a:gs pos="46000">
+                <a:srgbClr val="283744"/>
+              </a:gs>
+              <a:gs pos="100000">
+                <a:srgbClr val="15292E"/>
+              </a:gs>
+            </a:gsLst>
+            <a:lin ang="5400000" scaled="1"/>
+          </a:gradFill>
+          <a:ln>
+            <a:noFill/>
+          </a:ln>
+        </p:spPr>
+        <p:style>
+          <a:lnRef idx="2">
+            <a:schemeClr val="accent1">
+              <a:shade val="50000"/>
+            </a:schemeClr>
+          </a:lnRef>
+          <a:fillRef idx="1">
+            <a:schemeClr val="accent1"/>
+          </a:fillRef>
+          <a:effectRef idx="0">
+            <a:schemeClr val="accent1"/>
+          </a:effectRef>
+          <a:fontRef idx="minor">
+            <a:schemeClr val="lt1"/>
+          </a:fontRef>
+        </p:style>
+        <p:txBody>
+          <a:bodyPr rtlCol="0" anchor="ctr"/>
+          <a:lstStyle/>
+          <a:p>
+            <a:pPr algn="ctr"/>
+            <a:endParaRPr lang="ko-KR" altLang="en-US"/>
+          </a:p>
+        </p:txBody>
+      </p:sp>
+      <p:sp>
+        <p:nvSpPr>
+          <p:cNvPr id="21" name="TextBox 20"/>
+          <p:cNvSpPr txBox="1"/>
+          <p:nvPr/>
+        </p:nvSpPr>
+        <p:spPr>
+          <a:xfrm>
+            <a:off x="296423" y="247802"/>
+            <a:ext cx="2122119" cy="584775"/>
+          </a:xfrm>
+          <a:prstGeom prst="rect">
+            <a:avLst/>
+          </a:prstGeom>
+          <a:noFill/>
+        </p:spPr>
+        <p:txBody>
+          <a:bodyPr wrap="none" rtlCol="0">
+            <a:spAutoFit/>
+          </a:bodyPr>
+          <a:lstStyle/>
+          <a:p>
+            <a:r>
+              <a:rPr lang="en-US" altLang="ko-KR" sz="3200" spc="-300" dirty="0" err="1">
+                <a:ln>
+                  <a:solidFill>
+                    <a:schemeClr val="accent1">
+                      <a:shade val="50000"/>
+                      <a:alpha val="0"/>
+                    </a:schemeClr>
+                  </a:solidFill>
+                </a:ln>
+                <a:solidFill>
+                  <a:schemeClr val="bg1"/>
+                </a:solidFill>
+                <a:latin typeface="Orator Std" panose="020D0509020203030204" pitchFamily="49" charset="0"/>
+              </a:rPr>
+              <a:t>Github</a:t>
+            </a:r>
+            <a:r>
+              <a:rPr lang="en-US" altLang="ko-KR" sz="3200" spc="-300" dirty="0">
+                <a:ln>
+                  <a:solidFill>
+                    <a:schemeClr val="accent1">
+                      <a:shade val="50000"/>
+                      <a:alpha val="0"/>
+                    </a:schemeClr>
+                  </a:solidFill>
+                </a:ln>
+                <a:solidFill>
+                  <a:schemeClr val="bg1"/>
+                </a:solidFill>
+                <a:latin typeface="Orator Std" panose="020D0509020203030204" pitchFamily="49" charset="0"/>
+              </a:rPr>
+              <a:t> Insights</a:t>
+            </a:r>
+            <a:endParaRPr lang="ko-KR" altLang="en-US" sz="3200" spc="-300" dirty="0">
+              <a:ln>
+                <a:solidFill>
+                  <a:schemeClr val="accent1">
+                    <a:shade val="50000"/>
+                    <a:alpha val="0"/>
+                  </a:schemeClr>
+                </a:solidFill>
+              </a:ln>
+              <a:solidFill>
+                <a:schemeClr val="bg1"/>
+              </a:solidFill>
+              <a:latin typeface="Orator Std" panose="020D0509020203030204" pitchFamily="49" charset="0"/>
+            </a:endParaRPr>
+          </a:p>
+        </p:txBody>
+      </p:sp>
+      <p:cxnSp>
+        <p:nvCxnSpPr>
+          <p:cNvPr id="6" name="직선 연결선 5"/>
+          <p:cNvCxnSpPr>
+            <a:cxnSpLocks/>
+          </p:cNvCxnSpPr>
+          <p:nvPr/>
+        </p:nvCxnSpPr>
+        <p:spPr>
+          <a:xfrm>
+            <a:off x="296423" y="832577"/>
+            <a:ext cx="1296381" cy="0"/>
+          </a:xfrm>
+          <a:prstGeom prst="line">
+            <a:avLst/>
+          </a:prstGeom>
+          <a:ln w="3175">
+            <a:solidFill>
+              <a:schemeClr val="bg1"/>
+            </a:solidFill>
+          </a:ln>
+        </p:spPr>
+        <p:style>
+          <a:lnRef idx="1">
+            <a:schemeClr val="accent1"/>
+          </a:lnRef>
+          <a:fillRef idx="0">
+            <a:schemeClr val="accent1"/>
+          </a:fillRef>
+          <a:effectRef idx="0">
+            <a:schemeClr val="accent1"/>
+          </a:effectRef>
+          <a:fontRef idx="minor">
+            <a:schemeClr val="tx1"/>
+          </a:fontRef>
+        </p:style>
+      </p:cxnSp>
+      <p:pic>
+        <p:nvPicPr>
+          <p:cNvPr id="2" name="그림 1">
+            <a:extLst>
+              <a:ext uri="{FF2B5EF4-FFF2-40B4-BE49-F238E27FC236}">
+                <a16:creationId xmlns:a16="http://schemas.microsoft.com/office/drawing/2014/main" id="{AC1D5CC8-BC65-4225-804B-365BD66CA3EC}"/>
+              </a:ext>
+            </a:extLst>
+          </p:cNvPr>
+          <p:cNvPicPr>
+            <a:picLocks noChangeAspect="1"/>
+          </p:cNvPicPr>
+          <p:nvPr/>
+        </p:nvPicPr>
+        <p:blipFill rotWithShape="1">
+          <a:blip r:embed="rId2"/>
+          <a:srcRect r="15343"/>
+          <a:stretch/>
+        </p:blipFill>
+        <p:spPr>
+          <a:xfrm>
+            <a:off x="599341" y="1139787"/>
+            <a:ext cx="2992938" cy="4641273"/>
+          </a:xfrm>
+          <a:prstGeom prst="rect">
+            <a:avLst/>
+          </a:prstGeom>
+        </p:spPr>
+      </p:pic>
+      <p:pic>
+        <p:nvPicPr>
+          <p:cNvPr id="5" name="그림 4">
+            <a:extLst>
+              <a:ext uri="{FF2B5EF4-FFF2-40B4-BE49-F238E27FC236}">
+                <a16:creationId xmlns:a16="http://schemas.microsoft.com/office/drawing/2014/main" id="{058FA678-A9C3-4610-8A16-81D8738EF457}"/>
+              </a:ext>
+            </a:extLst>
+          </p:cNvPr>
+          <p:cNvPicPr>
+            <a:picLocks noChangeAspect="1"/>
+          </p:cNvPicPr>
+          <p:nvPr/>
+        </p:nvPicPr>
+        <p:blipFill rotWithShape="1">
+          <a:blip r:embed="rId3"/>
+          <a:srcRect r="26477"/>
+          <a:stretch/>
+        </p:blipFill>
+        <p:spPr>
+          <a:xfrm>
+            <a:off x="4741167" y="1139787"/>
+            <a:ext cx="2599301" cy="4656646"/>
+          </a:xfrm>
+          <a:prstGeom prst="rect">
+            <a:avLst/>
+          </a:prstGeom>
+        </p:spPr>
+      </p:pic>
+      <p:pic>
+        <p:nvPicPr>
+          <p:cNvPr id="7" name="그림 6">
+            <a:extLst>
+              <a:ext uri="{FF2B5EF4-FFF2-40B4-BE49-F238E27FC236}">
+                <a16:creationId xmlns:a16="http://schemas.microsoft.com/office/drawing/2014/main" id="{B4F9B3A2-7F9E-4883-A84E-40E25D16590F}"/>
+              </a:ext>
+            </a:extLst>
+          </p:cNvPr>
+          <p:cNvPicPr>
+            <a:picLocks noChangeAspect="1"/>
+          </p:cNvPicPr>
+          <p:nvPr/>
+        </p:nvPicPr>
+        <p:blipFill rotWithShape="1">
+          <a:blip r:embed="rId4"/>
+          <a:srcRect r="26477"/>
+          <a:stretch/>
+        </p:blipFill>
+        <p:spPr>
+          <a:xfrm>
+            <a:off x="8607542" y="1096903"/>
+            <a:ext cx="2599302" cy="4664193"/>
+          </a:xfrm>
+          <a:prstGeom prst="rect">
+            <a:avLst/>
+          </a:prstGeom>
+        </p:spPr>
+      </p:pic>
+    </p:spTree>
+    <p:extLst>
+      <p:ext uri="{BB962C8B-B14F-4D97-AF65-F5344CB8AC3E}">
+        <p14:creationId xmlns:p14="http://schemas.microsoft.com/office/powerpoint/2010/main" val="2946107599"/>
+      </p:ext>
+    </p:extLst>
+  </p:cSld>
+  <p:clrMapOvr>
+    <a:masterClrMapping/>
+  </p:clrMapOvr>
+</p:sld>
+</file>
+
+<file path=ppt/slides/slide7.xml><?xml version="1.0" encoding="utf-8"?>
+<p:sld xmlns:a="http://schemas.openxmlformats.org/drawingml/2006/main" xmlns:r="http://schemas.openxmlformats.org/officeDocument/2006/relationships" xmlns:p="http://schemas.openxmlformats.org/presentationml/2006/main">
+  <p:cSld>
+    <p:spTree>
+      <p:nvGrpSpPr>
+        <p:cNvPr id="1" name=""/>
+        <p:cNvGrpSpPr/>
+        <p:nvPr/>
+      </p:nvGrpSpPr>
+      <p:grpSpPr>
+        <a:xfrm>
+          <a:off x="0" y="0"/>
+          <a:ext cx="0" cy="0"/>
+          <a:chOff x="0" y="0"/>
+          <a:chExt cx="0" cy="0"/>
+        </a:xfrm>
+      </p:grpSpPr>
+      <p:sp>
+        <p:nvSpPr>
+          <p:cNvPr id="4" name="직사각형 3"/>
+          <p:cNvSpPr/>
+          <p:nvPr/>
+        </p:nvSpPr>
+        <p:spPr>
+          <a:xfrm>
+            <a:off x="0" y="-27710"/>
+            <a:ext cx="12192000" cy="6858000"/>
+          </a:xfrm>
+          <a:prstGeom prst="rect">
+            <a:avLst/>
+          </a:prstGeom>
+          <a:gradFill>
+            <a:gsLst>
+              <a:gs pos="13000">
+                <a:srgbClr val="33797F"/>
+              </a:gs>
+              <a:gs pos="83000">
+                <a:srgbClr val="EBB587"/>
+              </a:gs>
+            </a:gsLst>
+            <a:lin ang="5400000" scaled="1"/>
+          </a:gradFill>
+          <a:ln>
+            <a:noFill/>
+          </a:ln>
+        </p:spPr>
+        <p:style>
+          <a:lnRef idx="2">
+            <a:schemeClr val="accent1">
+              <a:shade val="50000"/>
+            </a:schemeClr>
+          </a:lnRef>
+          <a:fillRef idx="1">
+            <a:schemeClr val="accent1"/>
+          </a:fillRef>
+          <a:effectRef idx="0">
+            <a:schemeClr val="accent1"/>
+          </a:effectRef>
+          <a:fontRef idx="minor">
+            <a:schemeClr val="lt1"/>
+          </a:fontRef>
+        </p:style>
+        <p:txBody>
+          <a:bodyPr rtlCol="0" anchor="ctr"/>
+          <a:lstStyle/>
+          <a:p>
+            <a:pPr algn="ctr"/>
+            <a:endParaRPr lang="ko-KR" altLang="en-US"/>
+          </a:p>
+        </p:txBody>
+      </p:sp>
+      <p:sp>
+        <p:nvSpPr>
+          <p:cNvPr id="12" name="이등변 삼각형 11"/>
+          <p:cNvSpPr/>
+          <p:nvPr/>
+        </p:nvSpPr>
+        <p:spPr>
+          <a:xfrm>
+            <a:off x="7810501" y="2318368"/>
+            <a:ext cx="8391414" cy="4539631"/>
+          </a:xfrm>
+          <a:prstGeom prst="triangle">
+            <a:avLst/>
+          </a:prstGeom>
+          <a:gradFill>
+            <a:gsLst>
+              <a:gs pos="14000">
+                <a:srgbClr val="3C7E7C"/>
+              </a:gs>
+              <a:gs pos="100000">
+                <a:srgbClr val="00323B"/>
+              </a:gs>
+            </a:gsLst>
+            <a:lin ang="5400000" scaled="1"/>
+          </a:gradFill>
+          <a:ln>
+            <a:noFill/>
+          </a:ln>
+        </p:spPr>
+        <p:style>
+          <a:lnRef idx="2">
+            <a:schemeClr val="accent1">
+              <a:shade val="50000"/>
+            </a:schemeClr>
+          </a:lnRef>
+          <a:fillRef idx="1">
+            <a:schemeClr val="accent1"/>
+          </a:fillRef>
+          <a:effectRef idx="0">
+            <a:schemeClr val="accent1"/>
+          </a:effectRef>
+          <a:fontRef idx="minor">
+            <a:schemeClr val="lt1"/>
+          </a:fontRef>
+        </p:style>
+        <p:txBody>
+          <a:bodyPr rtlCol="0" anchor="ctr"/>
+          <a:lstStyle/>
+          <a:p>
+            <a:pPr algn="ctr"/>
+            <a:endParaRPr lang="ko-KR" altLang="en-US"/>
+          </a:p>
+        </p:txBody>
+      </p:sp>
+      <p:sp>
+        <p:nvSpPr>
+          <p:cNvPr id="15" name="이등변 삼각형 14"/>
+          <p:cNvSpPr/>
+          <p:nvPr/>
+        </p:nvSpPr>
+        <p:spPr>
+          <a:xfrm>
+            <a:off x="3609472" y="4281714"/>
+            <a:ext cx="4444378" cy="2576286"/>
+          </a:xfrm>
+          <a:prstGeom prst="triangle">
+            <a:avLst/>
+          </a:prstGeom>
+          <a:gradFill>
+            <a:gsLst>
+              <a:gs pos="49000">
+                <a:srgbClr val="C9A685"/>
+              </a:gs>
+              <a:gs pos="100000">
+                <a:srgbClr val="ECA97E">
+                  <a:alpha val="90000"/>
+                </a:srgbClr>
+              </a:gs>
+            </a:gsLst>
+            <a:lin ang="5400000" scaled="1"/>
+          </a:gradFill>
+          <a:ln>
+            <a:noFill/>
+          </a:ln>
+        </p:spPr>
+        <p:style>
+          <a:lnRef idx="2">
+            <a:schemeClr val="accent1">
+              <a:shade val="50000"/>
+            </a:schemeClr>
+          </a:lnRef>
+          <a:fillRef idx="1">
+            <a:schemeClr val="accent1"/>
+          </a:fillRef>
+          <a:effectRef idx="0">
+            <a:schemeClr val="accent1"/>
+          </a:effectRef>
+          <a:fontRef idx="minor">
+            <a:schemeClr val="lt1"/>
+          </a:fontRef>
+        </p:style>
+        <p:txBody>
+          <a:bodyPr rtlCol="0" anchor="ctr"/>
+          <a:lstStyle/>
+          <a:p>
+            <a:pPr algn="ctr"/>
+            <a:endParaRPr lang="ko-KR" altLang="en-US"/>
+          </a:p>
+        </p:txBody>
+      </p:sp>
+      <p:sp>
+        <p:nvSpPr>
+          <p:cNvPr id="16" name="이등변 삼각형 15"/>
+          <p:cNvSpPr/>
+          <p:nvPr/>
+        </p:nvSpPr>
+        <p:spPr>
+          <a:xfrm>
+            <a:off x="5293129" y="4049487"/>
+            <a:ext cx="5020178" cy="2808514"/>
+          </a:xfrm>
+          <a:prstGeom prst="triangle">
+            <a:avLst/>
+          </a:prstGeom>
+          <a:gradFill>
+            <a:gsLst>
+              <a:gs pos="49000">
+                <a:srgbClr val="C9A685"/>
+              </a:gs>
+              <a:gs pos="100000">
+                <a:srgbClr val="ECA97E">
+                  <a:alpha val="90000"/>
+                </a:srgbClr>
+              </a:gs>
+            </a:gsLst>
+            <a:lin ang="5400000" scaled="1"/>
+          </a:gradFill>
+          <a:ln>
+            <a:noFill/>
+          </a:ln>
+        </p:spPr>
+        <p:style>
+          <a:lnRef idx="2">
+            <a:schemeClr val="accent1">
+              <a:shade val="50000"/>
+            </a:schemeClr>
+          </a:lnRef>
+          <a:fillRef idx="1">
+            <a:schemeClr val="accent1"/>
+          </a:fillRef>
+          <a:effectRef idx="0">
+            <a:schemeClr val="accent1"/>
+          </a:effectRef>
+          <a:fontRef idx="minor">
+            <a:schemeClr val="lt1"/>
+          </a:fontRef>
+        </p:style>
+        <p:txBody>
+          <a:bodyPr rtlCol="0" anchor="ctr"/>
+          <a:lstStyle/>
+          <a:p>
+            <a:pPr algn="ctr"/>
+            <a:endParaRPr lang="ko-KR" altLang="en-US"/>
+          </a:p>
+        </p:txBody>
+      </p:sp>
+      <p:sp>
+        <p:nvSpPr>
+          <p:cNvPr id="17" name="이등변 삼각형 16"/>
+          <p:cNvSpPr/>
+          <p:nvPr/>
+        </p:nvSpPr>
+        <p:spPr>
+          <a:xfrm>
+            <a:off x="2363661" y="5078946"/>
+            <a:ext cx="4018090" cy="1779054"/>
+          </a:xfrm>
+          <a:prstGeom prst="triangle">
+            <a:avLst/>
+          </a:prstGeom>
+          <a:gradFill>
+            <a:gsLst>
+              <a:gs pos="49000">
+                <a:srgbClr val="C9A685"/>
+              </a:gs>
+              <a:gs pos="100000">
+                <a:srgbClr val="ECA97E">
+                  <a:alpha val="90000"/>
+                </a:srgbClr>
+              </a:gs>
+            </a:gsLst>
+            <a:lin ang="5400000" scaled="1"/>
+          </a:gradFill>
+          <a:ln>
+            <a:noFill/>
+          </a:ln>
+        </p:spPr>
+        <p:style>
+          <a:lnRef idx="2">
+            <a:schemeClr val="accent1">
+              <a:shade val="50000"/>
+            </a:schemeClr>
+          </a:lnRef>
+          <a:fillRef idx="1">
+            <a:schemeClr val="accent1"/>
+          </a:fillRef>
+          <a:effectRef idx="0">
+            <a:schemeClr val="accent1"/>
+          </a:effectRef>
+          <a:fontRef idx="minor">
+            <a:schemeClr val="lt1"/>
+          </a:fontRef>
+        </p:style>
+        <p:txBody>
+          <a:bodyPr rtlCol="0" anchor="ctr"/>
+          <a:lstStyle/>
+          <a:p>
+            <a:pPr algn="ctr"/>
+            <a:endParaRPr lang="ko-KR" altLang="en-US"/>
+          </a:p>
+        </p:txBody>
+      </p:sp>
+      <p:sp>
+        <p:nvSpPr>
+          <p:cNvPr id="10" name="이등변 삼각형 9"/>
+          <p:cNvSpPr/>
+          <p:nvPr/>
+        </p:nvSpPr>
+        <p:spPr>
+          <a:xfrm>
+            <a:off x="4884366" y="5399314"/>
+            <a:ext cx="2872066" cy="1458686"/>
+          </a:xfrm>
+          <a:prstGeom prst="triangle">
+            <a:avLst/>
+          </a:prstGeom>
+          <a:gradFill>
+            <a:gsLst>
+              <a:gs pos="14000">
+                <a:srgbClr val="9B9577"/>
+              </a:gs>
+              <a:gs pos="100000">
+                <a:srgbClr val="507166"/>
+              </a:gs>
+            </a:gsLst>
+            <a:lin ang="5400000" scaled="1"/>
+          </a:gradFill>
+          <a:ln>
+            <a:noFill/>
+          </a:ln>
+        </p:spPr>
+        <p:style>
+          <a:lnRef idx="2">
+            <a:schemeClr val="accent1">
+              <a:shade val="50000"/>
+            </a:schemeClr>
+          </a:lnRef>
+          <a:fillRef idx="1">
+            <a:schemeClr val="accent1"/>
+          </a:fillRef>
+          <a:effectRef idx="0">
+            <a:schemeClr val="accent1"/>
+          </a:effectRef>
+          <a:fontRef idx="minor">
+            <a:schemeClr val="lt1"/>
+          </a:fontRef>
+        </p:style>
+        <p:txBody>
+          <a:bodyPr rtlCol="0" anchor="ctr"/>
+          <a:lstStyle/>
+          <a:p>
+            <a:pPr algn="ctr"/>
+            <a:endParaRPr lang="ko-KR" altLang="en-US"/>
+          </a:p>
+        </p:txBody>
+      </p:sp>
+      <p:sp>
+        <p:nvSpPr>
+          <p:cNvPr id="11" name="이등변 삼각형 10"/>
+          <p:cNvSpPr/>
+          <p:nvPr/>
+        </p:nvSpPr>
+        <p:spPr>
+          <a:xfrm>
+            <a:off x="5695404" y="4136571"/>
+            <a:ext cx="5457371" cy="2721430"/>
+          </a:xfrm>
+          <a:prstGeom prst="triangle">
+            <a:avLst/>
+          </a:prstGeom>
+          <a:gradFill>
+            <a:gsLst>
+              <a:gs pos="14000">
+                <a:srgbClr val="96947F"/>
+              </a:gs>
+              <a:gs pos="100000">
+                <a:srgbClr val="4C635B"/>
+              </a:gs>
+            </a:gsLst>
+            <a:lin ang="5400000" scaled="1"/>
+          </a:gradFill>
+          <a:ln>
+            <a:noFill/>
+          </a:ln>
+        </p:spPr>
+        <p:style>
+          <a:lnRef idx="2">
+            <a:schemeClr val="accent1">
+              <a:shade val="50000"/>
+            </a:schemeClr>
+          </a:lnRef>
+          <a:fillRef idx="1">
+            <a:schemeClr val="accent1"/>
+          </a:fillRef>
+          <a:effectRef idx="0">
+            <a:schemeClr val="accent1"/>
+          </a:effectRef>
+          <a:fontRef idx="minor">
+            <a:schemeClr val="lt1"/>
+          </a:fontRef>
+        </p:style>
+        <p:txBody>
+          <a:bodyPr rtlCol="0" anchor="ctr"/>
+          <a:lstStyle/>
+          <a:p>
+            <a:pPr algn="ctr"/>
+            <a:endParaRPr lang="ko-KR" altLang="en-US"/>
+          </a:p>
+        </p:txBody>
+      </p:sp>
+      <p:sp>
+        <p:nvSpPr>
+          <p:cNvPr id="13" name="이등변 삼각형 12"/>
+          <p:cNvSpPr/>
+          <p:nvPr/>
+        </p:nvSpPr>
+        <p:spPr>
+          <a:xfrm>
+            <a:off x="7367503" y="3265715"/>
+            <a:ext cx="6791493" cy="3592286"/>
+          </a:xfrm>
+          <a:prstGeom prst="triangle">
+            <a:avLst/>
+          </a:prstGeom>
+          <a:gradFill>
+            <a:gsLst>
+              <a:gs pos="46000">
+                <a:srgbClr val="283744"/>
+              </a:gs>
+              <a:gs pos="100000">
+                <a:srgbClr val="15292E"/>
+              </a:gs>
+            </a:gsLst>
+            <a:lin ang="5400000" scaled="1"/>
+          </a:gradFill>
+          <a:ln>
+            <a:noFill/>
+          </a:ln>
+        </p:spPr>
+        <p:style>
+          <a:lnRef idx="2">
+            <a:schemeClr val="accent1">
+              <a:shade val="50000"/>
+            </a:schemeClr>
+          </a:lnRef>
+          <a:fillRef idx="1">
+            <a:schemeClr val="accent1"/>
+          </a:fillRef>
+          <a:effectRef idx="0">
+            <a:schemeClr val="accent1"/>
+          </a:effectRef>
+          <a:fontRef idx="minor">
+            <a:schemeClr val="lt1"/>
+          </a:fontRef>
+        </p:style>
+        <p:txBody>
+          <a:bodyPr rtlCol="0" anchor="ctr"/>
+          <a:lstStyle/>
+          <a:p>
+            <a:pPr algn="ctr"/>
+            <a:endParaRPr lang="ko-KR" altLang="en-US"/>
+          </a:p>
+        </p:txBody>
+      </p:sp>
+      <p:sp>
+        <p:nvSpPr>
+          <p:cNvPr id="21" name="TextBox 20"/>
+          <p:cNvSpPr txBox="1"/>
+          <p:nvPr/>
+        </p:nvSpPr>
+        <p:spPr>
+          <a:xfrm>
+            <a:off x="296423" y="247802"/>
+            <a:ext cx="2122119" cy="584775"/>
+          </a:xfrm>
+          <a:prstGeom prst="rect">
+            <a:avLst/>
+          </a:prstGeom>
+          <a:noFill/>
+        </p:spPr>
+        <p:txBody>
+          <a:bodyPr wrap="none" rtlCol="0">
+            <a:spAutoFit/>
+          </a:bodyPr>
+          <a:lstStyle/>
+          <a:p>
+            <a:r>
+              <a:rPr lang="en-US" altLang="ko-KR" sz="3200" spc="-300" dirty="0" err="1">
+                <a:ln>
+                  <a:solidFill>
+                    <a:schemeClr val="accent1">
+                      <a:shade val="50000"/>
+                      <a:alpha val="0"/>
+                    </a:schemeClr>
+                  </a:solidFill>
+                </a:ln>
+                <a:solidFill>
+                  <a:schemeClr val="bg1"/>
+                </a:solidFill>
+                <a:latin typeface="Orator Std" panose="020D0509020203030204" pitchFamily="49" charset="0"/>
+              </a:rPr>
+              <a:t>Github</a:t>
+            </a:r>
+            <a:r>
+              <a:rPr lang="en-US" altLang="ko-KR" sz="3200" spc="-300" dirty="0">
+                <a:ln>
+                  <a:solidFill>
+                    <a:schemeClr val="accent1">
+                      <a:shade val="50000"/>
+                      <a:alpha val="0"/>
+                    </a:schemeClr>
+                  </a:solidFill>
+                </a:ln>
+                <a:solidFill>
+                  <a:schemeClr val="bg1"/>
+                </a:solidFill>
+                <a:latin typeface="Orator Std" panose="020D0509020203030204" pitchFamily="49" charset="0"/>
+              </a:rPr>
+              <a:t> Insights</a:t>
+            </a:r>
+            <a:endParaRPr lang="ko-KR" altLang="en-US" sz="3200" spc="-300" dirty="0">
+              <a:ln>
+                <a:solidFill>
+                  <a:schemeClr val="accent1">
+                    <a:shade val="50000"/>
+                    <a:alpha val="0"/>
+                  </a:schemeClr>
+                </a:solidFill>
+              </a:ln>
+              <a:solidFill>
+                <a:schemeClr val="bg1"/>
+              </a:solidFill>
+              <a:latin typeface="Orator Std" panose="020D0509020203030204" pitchFamily="49" charset="0"/>
+            </a:endParaRPr>
+          </a:p>
+        </p:txBody>
+      </p:sp>
+      <p:cxnSp>
+        <p:nvCxnSpPr>
+          <p:cNvPr id="6" name="직선 연결선 5"/>
+          <p:cNvCxnSpPr>
+            <a:cxnSpLocks/>
+          </p:cNvCxnSpPr>
+          <p:nvPr/>
+        </p:nvCxnSpPr>
+        <p:spPr>
+          <a:xfrm>
+            <a:off x="296423" y="832577"/>
+            <a:ext cx="1296381" cy="0"/>
+          </a:xfrm>
+          <a:prstGeom prst="line">
+            <a:avLst/>
+          </a:prstGeom>
+          <a:ln w="3175">
+            <a:solidFill>
+              <a:schemeClr val="bg1"/>
+            </a:solidFill>
+          </a:ln>
+        </p:spPr>
+        <p:style>
+          <a:lnRef idx="1">
+            <a:schemeClr val="accent1"/>
+          </a:lnRef>
+          <a:fillRef idx="0">
+            <a:schemeClr val="accent1"/>
+          </a:fillRef>
+          <a:effectRef idx="0">
+            <a:schemeClr val="accent1"/>
+          </a:effectRef>
+          <a:fontRef idx="minor">
+            <a:schemeClr val="tx1"/>
+          </a:fontRef>
+        </p:style>
+      </p:cxnSp>
+      <p:pic>
+        <p:nvPicPr>
+          <p:cNvPr id="3" name="그림 2">
+            <a:extLst>
+              <a:ext uri="{FF2B5EF4-FFF2-40B4-BE49-F238E27FC236}">
+                <a16:creationId xmlns:a16="http://schemas.microsoft.com/office/drawing/2014/main" id="{941CC9D0-CBF4-4239-BC00-DFDDC814871E}"/>
+              </a:ext>
+            </a:extLst>
+          </p:cNvPr>
+          <p:cNvPicPr>
+            <a:picLocks noChangeAspect="1"/>
+          </p:cNvPicPr>
+          <p:nvPr/>
+        </p:nvPicPr>
+        <p:blipFill rotWithShape="1">
+          <a:blip r:embed="rId2"/>
+          <a:srcRect r="22640"/>
+          <a:stretch/>
+        </p:blipFill>
+        <p:spPr>
+          <a:xfrm>
+            <a:off x="107209" y="1056811"/>
+            <a:ext cx="2890123" cy="4932895"/>
+          </a:xfrm>
+          <a:prstGeom prst="rect">
+            <a:avLst/>
+          </a:prstGeom>
+        </p:spPr>
+      </p:pic>
+      <p:pic>
+        <p:nvPicPr>
+          <p:cNvPr id="9" name="그림 8">
+            <a:extLst>
+              <a:ext uri="{FF2B5EF4-FFF2-40B4-BE49-F238E27FC236}">
+                <a16:creationId xmlns:a16="http://schemas.microsoft.com/office/drawing/2014/main" id="{32EBC2DA-84C6-4BE0-B799-6127C884FAB7}"/>
+              </a:ext>
+            </a:extLst>
+          </p:cNvPr>
+          <p:cNvPicPr>
+            <a:picLocks noChangeAspect="1"/>
+          </p:cNvPicPr>
+          <p:nvPr/>
+        </p:nvPicPr>
+        <p:blipFill rotWithShape="1">
+          <a:blip r:embed="rId3"/>
+          <a:srcRect r="32390"/>
+          <a:stretch/>
+        </p:blipFill>
+        <p:spPr>
+          <a:xfrm>
+            <a:off x="3129039" y="1046045"/>
+            <a:ext cx="2555005" cy="4932896"/>
+          </a:xfrm>
+          <a:prstGeom prst="rect">
+            <a:avLst/>
+          </a:prstGeom>
+        </p:spPr>
+      </p:pic>
+      <p:pic>
+        <p:nvPicPr>
+          <p:cNvPr id="14" name="그림 13">
+            <a:extLst>
+              <a:ext uri="{FF2B5EF4-FFF2-40B4-BE49-F238E27FC236}">
+                <a16:creationId xmlns:a16="http://schemas.microsoft.com/office/drawing/2014/main" id="{D351A340-1886-482D-99D8-6904AE4C5F91}"/>
+              </a:ext>
+            </a:extLst>
+          </p:cNvPr>
+          <p:cNvPicPr>
+            <a:picLocks noChangeAspect="1"/>
+          </p:cNvPicPr>
+          <p:nvPr/>
+        </p:nvPicPr>
+        <p:blipFill rotWithShape="1">
+          <a:blip r:embed="rId4"/>
+          <a:srcRect r="26703"/>
+          <a:stretch/>
+        </p:blipFill>
+        <p:spPr>
+          <a:xfrm>
+            <a:off x="5772935" y="997482"/>
+            <a:ext cx="2769963" cy="4981459"/>
+          </a:xfrm>
+          <a:prstGeom prst="rect">
+            <a:avLst/>
+          </a:prstGeom>
+        </p:spPr>
+      </p:pic>
+      <p:pic>
+        <p:nvPicPr>
+          <p:cNvPr id="19" name="그림 18">
+            <a:extLst>
+              <a:ext uri="{FF2B5EF4-FFF2-40B4-BE49-F238E27FC236}">
+                <a16:creationId xmlns:a16="http://schemas.microsoft.com/office/drawing/2014/main" id="{C857C5FA-5943-4648-93D4-3B867970CF7F}"/>
+              </a:ext>
+            </a:extLst>
+          </p:cNvPr>
+          <p:cNvPicPr>
+            <a:picLocks noChangeAspect="1"/>
+          </p:cNvPicPr>
+          <p:nvPr/>
+        </p:nvPicPr>
+        <p:blipFill rotWithShape="1">
+          <a:blip r:embed="rId5"/>
+          <a:srcRect l="-1" r="28599"/>
+          <a:stretch/>
+        </p:blipFill>
+        <p:spPr>
+          <a:xfrm>
+            <a:off x="8697486" y="1046045"/>
+            <a:ext cx="3363645" cy="4835092"/>
+          </a:xfrm>
+          <a:prstGeom prst="rect">
+            <a:avLst/>
+          </a:prstGeom>
+        </p:spPr>
+      </p:pic>
+    </p:spTree>
+    <p:extLst>
+      <p:ext uri="{BB962C8B-B14F-4D97-AF65-F5344CB8AC3E}">
+        <p14:creationId xmlns:p14="http://schemas.microsoft.com/office/powerpoint/2010/main" val="2151039417"/>
       </p:ext>
     </p:extLst>
   </p:cSld>
